--- a/Reports/eposter.pptx
+++ b/Reports/eposter.pptx
@@ -1374,7 +1374,7 @@
         </p:nvSpPr>
         <p:spPr>
           <a:xfrm>
-            <a:off x="562917" y="5665549"/>
+            <a:off x="737990" y="4675891"/>
             <a:ext cx="2782570" cy="377825"/>
           </a:xfrm>
           <a:prstGeom prst="rect">
@@ -1426,64 +1426,7 @@
               </a:rPr>
               <a:t>Objectives</a:t>
             </a:r>
-            <a:endParaRPr sz="2300">
-              <a:latin typeface="Arial MT"/>
-              <a:cs typeface="Arial MT"/>
-            </a:endParaRPr>
-          </a:p>
-        </p:txBody>
-      </p:sp>
-      <p:sp>
-        <p:nvSpPr>
-          <p:cNvPr id="5" name="object 5"/>
-          <p:cNvSpPr txBox="1"/>
-          <p:nvPr/>
-        </p:nvSpPr>
-        <p:spPr>
-          <a:xfrm>
-            <a:off x="570203" y="2830556"/>
-            <a:ext cx="2570480" cy="377825"/>
-          </a:xfrm>
-          <a:prstGeom prst="rect">
-            <a:avLst/>
-          </a:prstGeom>
-        </p:spPr>
-        <p:txBody>
-          <a:bodyPr vert="horz" wrap="square" lIns="0" tIns="13970" rIns="0" bIns="0" rtlCol="0">
-            <a:spAutoFit/>
-          </a:bodyPr>
-          <a:lstStyle/>
-          <a:p>
-            <a:pPr marL="12700">
-              <a:lnSpc>
-                <a:spcPct val="100000"/>
-              </a:lnSpc>
-              <a:spcBef>
-                <a:spcPts val="110"/>
-              </a:spcBef>
-            </a:pPr>
-            <a:r>
-              <a:rPr sz="2300" dirty="0">
-                <a:latin typeface="Arial MT"/>
-                <a:cs typeface="Arial MT"/>
-              </a:rPr>
-              <a:t>Academic</a:t>
-            </a:r>
-            <a:r>
-              <a:rPr sz="2300" spc="-25" dirty="0">
-                <a:latin typeface="Arial MT"/>
-                <a:cs typeface="Arial MT"/>
-              </a:rPr>
-              <a:t> </a:t>
-            </a:r>
-            <a:r>
-              <a:rPr sz="2300" spc="-10" dirty="0">
-                <a:latin typeface="Arial MT"/>
-                <a:cs typeface="Arial MT"/>
-              </a:rPr>
-              <a:t>Question</a:t>
-            </a:r>
-            <a:endParaRPr sz="2300">
+            <a:endParaRPr sz="2300" dirty="0">
               <a:latin typeface="Arial MT"/>
               <a:cs typeface="Arial MT"/>
             </a:endParaRPr>
@@ -1542,14 +1485,14 @@
               </a:spcBef>
             </a:pPr>
             <a:r>
-              <a:rPr sz="2300" dirty="0" smtClean="0">
+              <a:rPr sz="2300" dirty="0">
                 <a:latin typeface="Arial MT"/>
                 <a:cs typeface="Arial MT"/>
               </a:rPr>
               <a:t>Literature</a:t>
             </a:r>
             <a:r>
-              <a:rPr sz="2300" spc="-40" dirty="0" smtClean="0">
+              <a:rPr sz="2300" spc="-40" dirty="0">
                 <a:latin typeface="Arial MT"/>
                 <a:cs typeface="Arial MT"/>
               </a:rPr>
@@ -1577,8 +1520,8 @@
         </p:nvSpPr>
         <p:spPr>
           <a:xfrm>
-            <a:off x="522184" y="1491665"/>
-            <a:ext cx="5744210" cy="1287780"/>
+            <a:off x="777505" y="1578242"/>
+            <a:ext cx="5744210" cy="2512291"/>
           </a:xfrm>
           <a:prstGeom prst="rect">
             <a:avLst/>
@@ -1593,721 +1536,88 @@
           </a:bodyPr>
           <a:lstStyle/>
           <a:p>
-            <a:pPr marL="343535" marR="51435" indent="-283845">
+            <a:pPr marL="177800" lvl="0" indent="-196850" algn="l" rtl="0">
               <a:lnSpc>
-                <a:spcPct val="100000"/>
+                <a:spcPct val="120000"/>
               </a:lnSpc>
               <a:spcBef>
-                <a:spcPts val="175"/>
+                <a:spcPts val="0"/>
               </a:spcBef>
+              <a:spcAft>
+                <a:spcPts val="0"/>
+              </a:spcAft>
+              <a:buSzPts val="1500"/>
               <a:buChar char="•"/>
-              <a:tabLst>
-                <a:tab pos="343535" algn="l"/>
-              </a:tabLst>
             </a:pPr>
             <a:r>
-              <a:rPr sz="2000" dirty="0">
-                <a:latin typeface="Arial MT"/>
-                <a:cs typeface="Arial MT"/>
-              </a:rPr>
-              <a:t>Service</a:t>
-            </a:r>
-            <a:r>
-              <a:rPr sz="2000" spc="90" dirty="0">
-                <a:latin typeface="Arial MT"/>
-                <a:cs typeface="Arial MT"/>
-              </a:rPr>
-              <a:t> </a:t>
-            </a:r>
-            <a:r>
-              <a:rPr sz="2000" dirty="0">
-                <a:latin typeface="Arial MT"/>
-                <a:cs typeface="Arial MT"/>
-              </a:rPr>
-              <a:t>that</a:t>
-            </a:r>
-            <a:r>
-              <a:rPr sz="2000" spc="100" dirty="0">
-                <a:latin typeface="Arial MT"/>
-                <a:cs typeface="Arial MT"/>
-              </a:rPr>
-              <a:t> </a:t>
-            </a:r>
-            <a:r>
-              <a:rPr sz="2000" dirty="0">
-                <a:latin typeface="Arial MT"/>
-                <a:cs typeface="Arial MT"/>
-              </a:rPr>
-              <a:t>provides</a:t>
-            </a:r>
-            <a:r>
-              <a:rPr sz="2000" spc="95" dirty="0">
-                <a:latin typeface="Arial MT"/>
-                <a:cs typeface="Arial MT"/>
-              </a:rPr>
-              <a:t> </a:t>
-            </a:r>
-            <a:r>
-              <a:rPr sz="2000" dirty="0">
-                <a:latin typeface="Arial MT"/>
-                <a:cs typeface="Arial MT"/>
-              </a:rPr>
-              <a:t>to</a:t>
-            </a:r>
-            <a:r>
-              <a:rPr sz="2000" spc="105" dirty="0">
-                <a:latin typeface="Arial MT"/>
-                <a:cs typeface="Arial MT"/>
-              </a:rPr>
-              <a:t> </a:t>
-            </a:r>
-            <a:r>
-              <a:rPr sz="2000" dirty="0">
-                <a:latin typeface="Arial MT"/>
-                <a:cs typeface="Arial MT"/>
-              </a:rPr>
-              <a:t>the</a:t>
-            </a:r>
-            <a:r>
-              <a:rPr sz="2000" spc="100" dirty="0">
-                <a:latin typeface="Arial MT"/>
-                <a:cs typeface="Arial MT"/>
-              </a:rPr>
-              <a:t> </a:t>
-            </a:r>
-            <a:r>
-              <a:rPr sz="2000" dirty="0">
-                <a:latin typeface="Arial MT"/>
-                <a:cs typeface="Arial MT"/>
-              </a:rPr>
-              <a:t>user/client</a:t>
-            </a:r>
-            <a:r>
-              <a:rPr sz="2000" spc="100" dirty="0">
-                <a:latin typeface="Arial MT"/>
-                <a:cs typeface="Arial MT"/>
-              </a:rPr>
-              <a:t> </a:t>
-            </a:r>
-            <a:r>
-              <a:rPr sz="2000" spc="-10" dirty="0">
-                <a:latin typeface="Arial MT"/>
-                <a:cs typeface="Arial MT"/>
-              </a:rPr>
-              <a:t>through </a:t>
-            </a:r>
-            <a:r>
-              <a:rPr sz="2000" dirty="0">
-                <a:latin typeface="Arial MT"/>
-                <a:cs typeface="Arial MT"/>
-              </a:rPr>
-              <a:t>interpreting</a:t>
-            </a:r>
-            <a:r>
-              <a:rPr sz="2000" spc="-114" dirty="0">
-                <a:latin typeface="Arial MT"/>
-                <a:cs typeface="Arial MT"/>
-              </a:rPr>
-              <a:t> </a:t>
-            </a:r>
-            <a:r>
-              <a:rPr sz="2000" dirty="0">
-                <a:latin typeface="Arial MT"/>
-                <a:cs typeface="Arial MT"/>
-              </a:rPr>
-              <a:t>natural</a:t>
-            </a:r>
-            <a:r>
-              <a:rPr sz="2000" spc="-110" dirty="0">
-                <a:latin typeface="Arial MT"/>
-                <a:cs typeface="Arial MT"/>
-              </a:rPr>
-              <a:t> </a:t>
-            </a:r>
-            <a:r>
-              <a:rPr sz="2000" spc="-10" dirty="0">
-                <a:latin typeface="Arial MT"/>
-                <a:cs typeface="Arial MT"/>
-              </a:rPr>
-              <a:t>language.</a:t>
-            </a:r>
-            <a:endParaRPr sz="2000">
-              <a:latin typeface="Arial MT"/>
-              <a:cs typeface="Arial MT"/>
-            </a:endParaRPr>
-          </a:p>
-          <a:p>
-            <a:pPr marL="343535" indent="-283210">
+              <a:rPr lang="en-US" sz="2000" dirty="0">
+                <a:latin typeface="Arial MT"/>
+              </a:rPr>
+              <a:t>Service that provides to the user/client through interpreting natural language</a:t>
+            </a:r>
+          </a:p>
+          <a:p>
+            <a:pPr marL="177800" lvl="0" indent="-184150" algn="l" rtl="0">
               <a:lnSpc>
-                <a:spcPts val="2380"/>
-              </a:lnSpc>
-              <a:buChar char="•"/>
-              <a:tabLst>
-                <a:tab pos="343535" algn="l"/>
-              </a:tabLst>
-            </a:pPr>
-            <a:r>
-              <a:rPr sz="2000" dirty="0">
-                <a:latin typeface="Arial MT"/>
-                <a:cs typeface="Arial MT"/>
-              </a:rPr>
-              <a:t>Fast</a:t>
-            </a:r>
-            <a:r>
-              <a:rPr sz="2000" spc="-50" dirty="0">
-                <a:latin typeface="Arial MT"/>
-                <a:cs typeface="Arial MT"/>
-              </a:rPr>
-              <a:t> </a:t>
-            </a:r>
-            <a:r>
-              <a:rPr sz="2000" dirty="0">
-                <a:latin typeface="Arial MT"/>
-                <a:cs typeface="Arial MT"/>
-              </a:rPr>
-              <a:t>and</a:t>
-            </a:r>
-            <a:r>
-              <a:rPr sz="2000" spc="-50" dirty="0">
-                <a:latin typeface="Arial MT"/>
-                <a:cs typeface="Arial MT"/>
-              </a:rPr>
-              <a:t> </a:t>
-            </a:r>
-            <a:r>
-              <a:rPr sz="2000" spc="-10" dirty="0">
-                <a:latin typeface="Arial MT"/>
-                <a:cs typeface="Arial MT"/>
-              </a:rPr>
-              <a:t>convenient</a:t>
-            </a:r>
-            <a:endParaRPr sz="2000">
-              <a:latin typeface="Arial MT"/>
-              <a:cs typeface="Arial MT"/>
-            </a:endParaRPr>
-          </a:p>
-        </p:txBody>
-      </p:sp>
-      <p:sp>
-        <p:nvSpPr>
-          <p:cNvPr id="9" name="object 9"/>
-          <p:cNvSpPr txBox="1"/>
-          <p:nvPr/>
-        </p:nvSpPr>
-        <p:spPr>
-          <a:xfrm>
-            <a:off x="522184" y="3291987"/>
-            <a:ext cx="5744210" cy="2207260"/>
-          </a:xfrm>
-          <a:prstGeom prst="rect">
-            <a:avLst/>
-          </a:prstGeom>
-          <a:solidFill>
-            <a:srgbClr val="E1EFD9"/>
-          </a:solidFill>
-        </p:spPr>
-        <p:txBody>
-          <a:bodyPr vert="horz" wrap="square" lIns="0" tIns="22860" rIns="0" bIns="0" rtlCol="0">
-            <a:spAutoFit/>
-          </a:bodyPr>
-          <a:lstStyle/>
-          <a:p>
-            <a:pPr marL="340360" marR="52069" indent="-280670" algn="just">
-              <a:lnSpc>
-                <a:spcPct val="100000"/>
+                <a:spcPct val="120000"/>
               </a:lnSpc>
               <a:spcBef>
-                <a:spcPts val="180"/>
+                <a:spcPts val="800"/>
               </a:spcBef>
+              <a:spcAft>
+                <a:spcPts val="0"/>
+              </a:spcAft>
+              <a:buSzPts val="1300"/>
               <a:buChar char="•"/>
-              <a:tabLst>
-                <a:tab pos="343535" algn="l"/>
-              </a:tabLst>
             </a:pPr>
             <a:r>
-              <a:rPr sz="2000" dirty="0">
-                <a:latin typeface="Arial MT"/>
-                <a:cs typeface="Arial MT"/>
-              </a:rPr>
-              <a:t>Does</a:t>
-            </a:r>
-            <a:r>
-              <a:rPr sz="2000" spc="80" dirty="0">
-                <a:latin typeface="Arial MT"/>
-                <a:cs typeface="Arial MT"/>
-              </a:rPr>
-              <a:t> </a:t>
-            </a:r>
-            <a:r>
-              <a:rPr sz="2000" dirty="0">
-                <a:latin typeface="Arial MT"/>
-                <a:cs typeface="Arial MT"/>
-              </a:rPr>
-              <a:t>the</a:t>
-            </a:r>
-            <a:r>
-              <a:rPr sz="2000" spc="85" dirty="0">
-                <a:latin typeface="Arial MT"/>
-                <a:cs typeface="Arial MT"/>
-              </a:rPr>
-              <a:t> </a:t>
-            </a:r>
-            <a:r>
-              <a:rPr sz="2000" dirty="0">
-                <a:latin typeface="Arial MT"/>
-                <a:cs typeface="Arial MT"/>
-              </a:rPr>
-              <a:t>System</a:t>
-            </a:r>
-            <a:r>
-              <a:rPr sz="2000" spc="95" dirty="0">
-                <a:latin typeface="Arial MT"/>
-                <a:cs typeface="Arial MT"/>
-              </a:rPr>
-              <a:t> </a:t>
-            </a:r>
-            <a:r>
-              <a:rPr sz="2000" dirty="0">
-                <a:latin typeface="Arial MT"/>
-                <a:cs typeface="Arial MT"/>
-              </a:rPr>
-              <a:t>overcome</a:t>
-            </a:r>
-            <a:r>
-              <a:rPr sz="2000" spc="85" dirty="0">
-                <a:latin typeface="Arial MT"/>
-                <a:cs typeface="Arial MT"/>
-              </a:rPr>
-              <a:t> </a:t>
-            </a:r>
-            <a:r>
-              <a:rPr sz="2000" dirty="0">
-                <a:latin typeface="Arial MT"/>
-                <a:cs typeface="Arial MT"/>
-              </a:rPr>
-              <a:t>the</a:t>
-            </a:r>
-            <a:r>
-              <a:rPr sz="2000" spc="95" dirty="0">
-                <a:latin typeface="Arial MT"/>
-                <a:cs typeface="Arial MT"/>
-              </a:rPr>
-              <a:t> </a:t>
-            </a:r>
-            <a:r>
-              <a:rPr sz="2000" dirty="0">
-                <a:latin typeface="Arial MT"/>
-                <a:cs typeface="Arial MT"/>
-              </a:rPr>
-              <a:t>traditional</a:t>
-            </a:r>
-            <a:r>
-              <a:rPr sz="2000" spc="90" dirty="0">
-                <a:latin typeface="Arial MT"/>
-                <a:cs typeface="Arial MT"/>
-              </a:rPr>
-              <a:t> </a:t>
-            </a:r>
-            <a:r>
-              <a:rPr sz="2000" spc="-25" dirty="0">
-                <a:latin typeface="Arial MT"/>
-                <a:cs typeface="Arial MT"/>
-              </a:rPr>
-              <a:t>way 	</a:t>
-            </a:r>
-            <a:r>
-              <a:rPr sz="2000" dirty="0">
-                <a:latin typeface="Arial MT"/>
-                <a:cs typeface="Arial MT"/>
-              </a:rPr>
-              <a:t>of</a:t>
-            </a:r>
-            <a:r>
-              <a:rPr sz="2000" spc="315" dirty="0">
-                <a:latin typeface="Arial MT"/>
-                <a:cs typeface="Arial MT"/>
-              </a:rPr>
-              <a:t>  </a:t>
-            </a:r>
-            <a:r>
-              <a:rPr sz="2000" dirty="0">
-                <a:latin typeface="Arial MT"/>
-                <a:cs typeface="Arial MT"/>
-              </a:rPr>
-              <a:t>disease</a:t>
-            </a:r>
-            <a:r>
-              <a:rPr sz="2000" spc="315" dirty="0">
-                <a:latin typeface="Arial MT"/>
-                <a:cs typeface="Arial MT"/>
-              </a:rPr>
-              <a:t>  </a:t>
-            </a:r>
-            <a:r>
-              <a:rPr sz="2000" dirty="0">
-                <a:latin typeface="Arial MT"/>
-                <a:cs typeface="Arial MT"/>
-              </a:rPr>
-              <a:t>prediction</a:t>
-            </a:r>
-            <a:r>
-              <a:rPr sz="2000" spc="315" dirty="0">
-                <a:latin typeface="Arial MT"/>
-                <a:cs typeface="Arial MT"/>
-              </a:rPr>
-              <a:t>  </a:t>
-            </a:r>
-            <a:r>
-              <a:rPr sz="2000" dirty="0">
-                <a:latin typeface="Arial MT"/>
-                <a:cs typeface="Arial MT"/>
-              </a:rPr>
-              <a:t>from</a:t>
-            </a:r>
-            <a:r>
-              <a:rPr sz="2000" spc="315" dirty="0">
-                <a:latin typeface="Arial MT"/>
-                <a:cs typeface="Arial MT"/>
-              </a:rPr>
-              <a:t>  </a:t>
-            </a:r>
-            <a:r>
-              <a:rPr sz="2000" dirty="0">
-                <a:latin typeface="Arial MT"/>
-                <a:cs typeface="Arial MT"/>
-              </a:rPr>
-              <a:t>the</a:t>
-            </a:r>
-            <a:r>
-              <a:rPr sz="2000" spc="320" dirty="0">
-                <a:latin typeface="Arial MT"/>
-                <a:cs typeface="Arial MT"/>
-              </a:rPr>
-              <a:t>  </a:t>
-            </a:r>
-            <a:r>
-              <a:rPr sz="2000" spc="-10" dirty="0">
-                <a:latin typeface="Arial MT"/>
-                <a:cs typeface="Arial MT"/>
-              </a:rPr>
-              <a:t>symptoms 	</a:t>
-            </a:r>
-            <a:r>
-              <a:rPr sz="2000" dirty="0">
-                <a:latin typeface="Arial MT"/>
-                <a:cs typeface="Arial MT"/>
-              </a:rPr>
-              <a:t>provided</a:t>
-            </a:r>
-            <a:r>
-              <a:rPr sz="2000" spc="65" dirty="0">
-                <a:latin typeface="Arial MT"/>
-                <a:cs typeface="Arial MT"/>
-              </a:rPr>
-              <a:t>  </a:t>
-            </a:r>
-            <a:r>
-              <a:rPr sz="2000" dirty="0">
-                <a:latin typeface="Arial MT"/>
-                <a:cs typeface="Arial MT"/>
-              </a:rPr>
-              <a:t>or</a:t>
-            </a:r>
-            <a:r>
-              <a:rPr sz="2000" spc="70" dirty="0">
-                <a:latin typeface="Arial MT"/>
-                <a:cs typeface="Arial MT"/>
-              </a:rPr>
-              <a:t>  </a:t>
-            </a:r>
-            <a:r>
-              <a:rPr sz="2000" dirty="0">
-                <a:latin typeface="Arial MT"/>
-                <a:cs typeface="Arial MT"/>
-              </a:rPr>
-              <a:t>does</a:t>
-            </a:r>
-            <a:r>
-              <a:rPr sz="2000" spc="65" dirty="0">
-                <a:latin typeface="Arial MT"/>
-                <a:cs typeface="Arial MT"/>
-              </a:rPr>
-              <a:t>  </a:t>
-            </a:r>
-            <a:r>
-              <a:rPr sz="2000" dirty="0">
-                <a:latin typeface="Arial MT"/>
-                <a:cs typeface="Arial MT"/>
-              </a:rPr>
-              <a:t>it</a:t>
-            </a:r>
-            <a:r>
-              <a:rPr sz="2000" spc="65" dirty="0">
-                <a:latin typeface="Arial MT"/>
-                <a:cs typeface="Arial MT"/>
-              </a:rPr>
-              <a:t>  </a:t>
-            </a:r>
-            <a:r>
-              <a:rPr sz="2000" dirty="0">
-                <a:latin typeface="Arial MT"/>
-                <a:cs typeface="Arial MT"/>
-              </a:rPr>
-              <a:t>replace</a:t>
-            </a:r>
-            <a:r>
-              <a:rPr sz="2000" spc="75" dirty="0">
-                <a:latin typeface="Arial MT"/>
-                <a:cs typeface="Arial MT"/>
-              </a:rPr>
-              <a:t>  </a:t>
-            </a:r>
-            <a:r>
-              <a:rPr sz="2000" dirty="0">
-                <a:latin typeface="Arial MT"/>
-                <a:cs typeface="Arial MT"/>
-              </a:rPr>
-              <a:t>the</a:t>
-            </a:r>
-            <a:r>
-              <a:rPr sz="2000" spc="60" dirty="0">
-                <a:latin typeface="Arial MT"/>
-                <a:cs typeface="Arial MT"/>
-              </a:rPr>
-              <a:t>  </a:t>
-            </a:r>
-            <a:r>
-              <a:rPr sz="2000" dirty="0">
-                <a:latin typeface="Arial MT"/>
-                <a:cs typeface="Arial MT"/>
-              </a:rPr>
-              <a:t>demand</a:t>
-            </a:r>
-            <a:r>
-              <a:rPr sz="2000" spc="70" dirty="0">
-                <a:latin typeface="Arial MT"/>
-                <a:cs typeface="Arial MT"/>
-              </a:rPr>
-              <a:t>  </a:t>
-            </a:r>
-            <a:r>
-              <a:rPr sz="2000" spc="-25" dirty="0">
-                <a:latin typeface="Arial MT"/>
-                <a:cs typeface="Arial MT"/>
-              </a:rPr>
-              <a:t>of 	</a:t>
-            </a:r>
-            <a:r>
-              <a:rPr sz="2000" dirty="0">
-                <a:latin typeface="Arial MT"/>
-                <a:cs typeface="Arial MT"/>
-              </a:rPr>
-              <a:t>doctors</a:t>
-            </a:r>
-            <a:r>
-              <a:rPr sz="2000" spc="-50" dirty="0">
-                <a:latin typeface="Arial MT"/>
-                <a:cs typeface="Arial MT"/>
-              </a:rPr>
-              <a:t> </a:t>
-            </a:r>
-            <a:r>
-              <a:rPr sz="2000" dirty="0">
-                <a:latin typeface="Arial MT"/>
-                <a:cs typeface="Arial MT"/>
-              </a:rPr>
-              <a:t>in</a:t>
-            </a:r>
-            <a:r>
-              <a:rPr sz="2000" spc="-60" dirty="0">
-                <a:latin typeface="Arial MT"/>
-                <a:cs typeface="Arial MT"/>
-              </a:rPr>
-              <a:t> </a:t>
-            </a:r>
-            <a:r>
-              <a:rPr sz="2000" spc="-10" dirty="0">
-                <a:latin typeface="Arial MT"/>
-                <a:cs typeface="Arial MT"/>
-              </a:rPr>
-              <a:t>future?</a:t>
-            </a:r>
-            <a:endParaRPr sz="2000">
-              <a:latin typeface="Arial MT"/>
-              <a:cs typeface="Arial MT"/>
-            </a:endParaRPr>
-          </a:p>
-          <a:p>
-            <a:pPr marL="340360" marR="52069" indent="-280670" algn="just">
+              <a:rPr lang="en-US" sz="2000" dirty="0">
+                <a:latin typeface="Arial MT"/>
+              </a:rPr>
+              <a:t>Serves as healthcare assistant</a:t>
+            </a:r>
+          </a:p>
+          <a:p>
+            <a:pPr marL="177800" lvl="0" indent="-190500" algn="l" rtl="0">
               <a:lnSpc>
-                <a:spcPts val="2390"/>
+                <a:spcPct val="120000"/>
               </a:lnSpc>
               <a:spcBef>
-                <a:spcPts val="50"/>
+                <a:spcPts val="800"/>
               </a:spcBef>
+              <a:spcAft>
+                <a:spcPts val="0"/>
+              </a:spcAft>
+              <a:buSzPts val="1400"/>
               <a:buChar char="•"/>
-              <a:tabLst>
-                <a:tab pos="343535" algn="l"/>
-              </a:tabLst>
             </a:pPr>
             <a:r>
-              <a:rPr sz="2000" dirty="0">
-                <a:latin typeface="Arial MT"/>
-                <a:cs typeface="Arial MT"/>
-              </a:rPr>
-              <a:t>How</a:t>
-            </a:r>
-            <a:r>
-              <a:rPr sz="2000" spc="-20" dirty="0">
-                <a:latin typeface="Arial MT"/>
-                <a:cs typeface="Arial MT"/>
-              </a:rPr>
-              <a:t> </a:t>
-            </a:r>
-            <a:r>
-              <a:rPr sz="2000" dirty="0">
-                <a:latin typeface="Arial MT"/>
-                <a:cs typeface="Arial MT"/>
-              </a:rPr>
-              <a:t>are</a:t>
-            </a:r>
-            <a:r>
-              <a:rPr sz="2000" spc="-20" dirty="0">
-                <a:latin typeface="Arial MT"/>
-                <a:cs typeface="Arial MT"/>
-              </a:rPr>
-              <a:t> </a:t>
-            </a:r>
-            <a:r>
-              <a:rPr sz="2000" dirty="0">
-                <a:latin typeface="Arial MT"/>
-                <a:cs typeface="Arial MT"/>
-              </a:rPr>
-              <a:t>you</a:t>
-            </a:r>
-            <a:r>
-              <a:rPr sz="2000" spc="-20" dirty="0">
-                <a:latin typeface="Arial MT"/>
-                <a:cs typeface="Arial MT"/>
-              </a:rPr>
-              <a:t> </a:t>
-            </a:r>
-            <a:r>
-              <a:rPr sz="2000" dirty="0">
-                <a:latin typeface="Arial MT"/>
-                <a:cs typeface="Arial MT"/>
-              </a:rPr>
-              <a:t>going</a:t>
-            </a:r>
-            <a:r>
-              <a:rPr sz="2000" spc="-20" dirty="0">
-                <a:latin typeface="Arial MT"/>
-                <a:cs typeface="Arial MT"/>
-              </a:rPr>
-              <a:t> </a:t>
-            </a:r>
-            <a:r>
-              <a:rPr sz="2000" dirty="0">
-                <a:latin typeface="Arial MT"/>
-                <a:cs typeface="Arial MT"/>
-              </a:rPr>
-              <a:t>to</a:t>
-            </a:r>
-            <a:r>
-              <a:rPr sz="2000" spc="-10" dirty="0">
-                <a:latin typeface="Arial MT"/>
-                <a:cs typeface="Arial MT"/>
-              </a:rPr>
-              <a:t> </a:t>
-            </a:r>
-            <a:r>
-              <a:rPr sz="2000" dirty="0">
-                <a:latin typeface="Arial MT"/>
-                <a:cs typeface="Arial MT"/>
-              </a:rPr>
-              <a:t>fetch</a:t>
-            </a:r>
-            <a:r>
-              <a:rPr sz="2000" spc="-15" dirty="0">
-                <a:latin typeface="Arial MT"/>
-                <a:cs typeface="Arial MT"/>
-              </a:rPr>
-              <a:t> </a:t>
-            </a:r>
-            <a:r>
-              <a:rPr sz="2000" dirty="0">
-                <a:latin typeface="Arial MT"/>
-                <a:cs typeface="Arial MT"/>
-              </a:rPr>
-              <a:t>medical</a:t>
-            </a:r>
-            <a:r>
-              <a:rPr sz="2000" spc="-15" dirty="0">
-                <a:latin typeface="Arial MT"/>
-                <a:cs typeface="Arial MT"/>
-              </a:rPr>
-              <a:t> </a:t>
-            </a:r>
-            <a:r>
-              <a:rPr sz="2000" dirty="0">
-                <a:latin typeface="Arial MT"/>
-                <a:cs typeface="Arial MT"/>
-              </a:rPr>
-              <a:t>data</a:t>
-            </a:r>
-            <a:r>
-              <a:rPr sz="2000" spc="-15" dirty="0">
-                <a:latin typeface="Arial MT"/>
-                <a:cs typeface="Arial MT"/>
-              </a:rPr>
-              <a:t> </a:t>
-            </a:r>
-            <a:r>
-              <a:rPr sz="2000" dirty="0">
-                <a:latin typeface="Arial MT"/>
-                <a:cs typeface="Arial MT"/>
-              </a:rPr>
-              <a:t>for</a:t>
-            </a:r>
-            <a:r>
-              <a:rPr sz="2000" spc="-15" dirty="0">
-                <a:latin typeface="Arial MT"/>
-                <a:cs typeface="Arial MT"/>
-              </a:rPr>
-              <a:t> </a:t>
-            </a:r>
-            <a:r>
-              <a:rPr sz="2000" spc="-25" dirty="0">
-                <a:latin typeface="Arial MT"/>
-                <a:cs typeface="Arial MT"/>
-              </a:rPr>
-              <a:t>the 	</a:t>
-            </a:r>
-            <a:r>
-              <a:rPr sz="2000" dirty="0">
-                <a:latin typeface="Arial MT"/>
-                <a:cs typeface="Arial MT"/>
-              </a:rPr>
-              <a:t>chatbot</a:t>
-            </a:r>
-            <a:r>
-              <a:rPr sz="2000" spc="-80" dirty="0">
-                <a:latin typeface="Arial MT"/>
-                <a:cs typeface="Arial MT"/>
-              </a:rPr>
-              <a:t> </a:t>
-            </a:r>
-            <a:r>
-              <a:rPr sz="2000" spc="-10" dirty="0">
-                <a:latin typeface="Arial MT"/>
-                <a:cs typeface="Arial MT"/>
-              </a:rPr>
-              <a:t>system?</a:t>
-            </a:r>
-            <a:endParaRPr sz="2000">
-              <a:latin typeface="Arial MT"/>
-              <a:cs typeface="Arial MT"/>
-            </a:endParaRPr>
+              <a:rPr lang="en-US" sz="2000" dirty="0">
+                <a:latin typeface="Arial MT"/>
+              </a:rPr>
+              <a:t>Provides quick responses to common medical symptoms</a:t>
+            </a:r>
+          </a:p>
+          <a:p>
+            <a:pPr marL="177800" lvl="0" indent="-190500" algn="l" rtl="0">
+              <a:lnSpc>
+                <a:spcPct val="120000"/>
+              </a:lnSpc>
+              <a:spcBef>
+                <a:spcPts val="800"/>
+              </a:spcBef>
+              <a:spcAft>
+                <a:spcPts val="0"/>
+              </a:spcAft>
+              <a:buSzPts val="1400"/>
+              <a:buChar char="•"/>
+            </a:pPr>
+            <a:r>
+              <a:rPr lang="en-US" sz="2000" dirty="0">
+                <a:latin typeface="Arial MT"/>
+              </a:rPr>
+              <a:t>Seamless User Experience</a:t>
+            </a:r>
           </a:p>
         </p:txBody>
       </p:sp>
@@ -2319,8 +1629,8 @@
         </p:nvSpPr>
         <p:spPr>
           <a:xfrm>
-            <a:off x="575819" y="6187277"/>
-            <a:ext cx="5745480" cy="2503805"/>
+            <a:off x="647820" y="5324654"/>
+            <a:ext cx="5745480" cy="2274405"/>
           </a:xfrm>
           <a:prstGeom prst="rect">
             <a:avLst/>
@@ -2335,650 +1645,93 @@
           </a:bodyPr>
           <a:lstStyle/>
           <a:p>
-            <a:pPr marL="344170" marR="78740" indent="-283845">
+            <a:pPr marL="342900" marR="0" lvl="0" indent="-342900" algn="just">
               <a:lnSpc>
-                <a:spcPct val="101800"/>
+                <a:spcPct val="150000"/>
               </a:lnSpc>
               <a:spcBef>
-                <a:spcPts val="180"/>
+                <a:spcPts val="0"/>
               </a:spcBef>
-              <a:buChar char="•"/>
-              <a:tabLst>
-                <a:tab pos="344170" algn="l"/>
-              </a:tabLst>
+              <a:spcAft>
+                <a:spcPts val="0"/>
+              </a:spcAft>
+              <a:buFont typeface="Symbol" panose="05050102010706020507" pitchFamily="18" charset="2"/>
+              <a:buChar char=""/>
             </a:pPr>
             <a:r>
-              <a:rPr sz="1950" dirty="0">
-                <a:latin typeface="Arial MT"/>
-                <a:cs typeface="Arial MT"/>
-              </a:rPr>
-              <a:t>The</a:t>
-            </a:r>
-            <a:r>
-              <a:rPr sz="1950" spc="25" dirty="0">
-                <a:latin typeface="Arial MT"/>
-                <a:cs typeface="Arial MT"/>
-              </a:rPr>
-              <a:t> </a:t>
-            </a:r>
-            <a:r>
-              <a:rPr sz="1950" dirty="0">
-                <a:latin typeface="Arial MT"/>
-                <a:cs typeface="Arial MT"/>
-              </a:rPr>
-              <a:t>aim</a:t>
-            </a:r>
-            <a:r>
-              <a:rPr sz="1950" spc="25" dirty="0">
-                <a:latin typeface="Arial MT"/>
-                <a:cs typeface="Arial MT"/>
-              </a:rPr>
-              <a:t> </a:t>
-            </a:r>
-            <a:r>
-              <a:rPr sz="1950" dirty="0">
-                <a:latin typeface="Arial MT"/>
-                <a:cs typeface="Arial MT"/>
-              </a:rPr>
-              <a:t>is</a:t>
-            </a:r>
-            <a:r>
-              <a:rPr sz="1950" spc="20" dirty="0">
-                <a:latin typeface="Arial MT"/>
-                <a:cs typeface="Arial MT"/>
-              </a:rPr>
-              <a:t> </a:t>
-            </a:r>
-            <a:r>
-              <a:rPr sz="1950" dirty="0">
-                <a:latin typeface="Arial MT"/>
-                <a:cs typeface="Arial MT"/>
-              </a:rPr>
-              <a:t>to</a:t>
-            </a:r>
-            <a:r>
-              <a:rPr sz="1950" spc="25" dirty="0">
-                <a:latin typeface="Arial MT"/>
-                <a:cs typeface="Arial MT"/>
-              </a:rPr>
-              <a:t> </a:t>
-            </a:r>
-            <a:r>
-              <a:rPr sz="1950" dirty="0">
-                <a:latin typeface="Arial MT"/>
-                <a:cs typeface="Arial MT"/>
-              </a:rPr>
-              <a:t>provide</a:t>
-            </a:r>
-            <a:r>
-              <a:rPr sz="1950" spc="25" dirty="0">
-                <a:latin typeface="Arial MT"/>
-                <a:cs typeface="Arial MT"/>
-              </a:rPr>
-              <a:t> </a:t>
-            </a:r>
-            <a:r>
-              <a:rPr sz="1950" dirty="0">
-                <a:latin typeface="Arial MT"/>
-                <a:cs typeface="Arial MT"/>
-              </a:rPr>
-              <a:t>a</a:t>
-            </a:r>
-            <a:r>
-              <a:rPr sz="1950" spc="30" dirty="0">
-                <a:latin typeface="Arial MT"/>
-                <a:cs typeface="Arial MT"/>
-              </a:rPr>
-              <a:t> </a:t>
-            </a:r>
-            <a:r>
-              <a:rPr sz="1950" dirty="0">
-                <a:latin typeface="Arial MT"/>
-                <a:cs typeface="Arial MT"/>
-              </a:rPr>
-              <a:t>fast</a:t>
-            </a:r>
-            <a:r>
-              <a:rPr sz="1950" spc="15" dirty="0">
-                <a:latin typeface="Arial MT"/>
-                <a:cs typeface="Arial MT"/>
-              </a:rPr>
-              <a:t> </a:t>
-            </a:r>
-            <a:r>
-              <a:rPr sz="1950" dirty="0">
-                <a:latin typeface="Arial MT"/>
-                <a:cs typeface="Arial MT"/>
-              </a:rPr>
-              <a:t>and</a:t>
-            </a:r>
-            <a:r>
-              <a:rPr sz="1950" spc="40" dirty="0">
-                <a:latin typeface="Arial MT"/>
-                <a:cs typeface="Arial MT"/>
-              </a:rPr>
-              <a:t> </a:t>
-            </a:r>
-            <a:r>
-              <a:rPr sz="1950" dirty="0">
-                <a:latin typeface="Arial MT"/>
-                <a:cs typeface="Arial MT"/>
-              </a:rPr>
-              <a:t>convenient</a:t>
-            </a:r>
-            <a:r>
-              <a:rPr sz="1950" spc="30" dirty="0">
-                <a:latin typeface="Arial MT"/>
-                <a:cs typeface="Arial MT"/>
-              </a:rPr>
-              <a:t> </a:t>
-            </a:r>
-            <a:r>
-              <a:rPr sz="1950" spc="-25" dirty="0">
-                <a:latin typeface="Arial MT"/>
-                <a:cs typeface="Arial MT"/>
-              </a:rPr>
-              <a:t>way </a:t>
-            </a:r>
-            <a:r>
-              <a:rPr sz="1950" dirty="0">
-                <a:latin typeface="Arial MT"/>
-                <a:cs typeface="Arial MT"/>
-              </a:rPr>
-              <a:t>to</a:t>
-            </a:r>
-            <a:r>
-              <a:rPr sz="1950" spc="20" dirty="0">
-                <a:latin typeface="Arial MT"/>
-                <a:cs typeface="Arial MT"/>
-              </a:rPr>
-              <a:t> </a:t>
-            </a:r>
-            <a:r>
-              <a:rPr sz="1950" dirty="0">
-                <a:latin typeface="Arial MT"/>
-                <a:cs typeface="Arial MT"/>
-              </a:rPr>
-              <a:t>manage</a:t>
-            </a:r>
-            <a:r>
-              <a:rPr sz="1950" spc="45" dirty="0">
-                <a:latin typeface="Arial MT"/>
-                <a:cs typeface="Arial MT"/>
-              </a:rPr>
-              <a:t> </a:t>
-            </a:r>
-            <a:r>
-              <a:rPr sz="1950" dirty="0">
-                <a:latin typeface="Arial MT"/>
-                <a:cs typeface="Arial MT"/>
-              </a:rPr>
-              <a:t>Health</a:t>
-            </a:r>
-            <a:r>
-              <a:rPr sz="1950" spc="30" dirty="0">
-                <a:latin typeface="Arial MT"/>
-                <a:cs typeface="Arial MT"/>
-              </a:rPr>
-              <a:t> </a:t>
-            </a:r>
-            <a:r>
-              <a:rPr sz="1950" spc="-10" dirty="0">
-                <a:latin typeface="Arial MT"/>
-                <a:cs typeface="Arial MT"/>
-              </a:rPr>
-              <a:t>Queries.</a:t>
-            </a:r>
-            <a:endParaRPr sz="1950" dirty="0">
+              <a:rPr lang="en-GB" sz="2000" dirty="0">
+                <a:effectLst/>
+                <a:latin typeface="Arial MT"/>
+                <a:ea typeface="SimSun" panose="02010600030101010101" pitchFamily="2" charset="-122"/>
+                <a:cs typeface="Times New Roman" panose="02020603050405020304" pitchFamily="18" charset="0"/>
+              </a:rPr>
+              <a:t>To provide response on health queries</a:t>
+            </a:r>
+            <a:endParaRPr lang="en-AU" sz="2000" dirty="0">
+              <a:effectLst/>
               <a:latin typeface="Arial MT"/>
-              <a:cs typeface="Arial MT"/>
+              <a:ea typeface="SimSun" panose="02010600030101010101" pitchFamily="2" charset="-122"/>
+              <a:cs typeface="Times New Roman" panose="02020603050405020304" pitchFamily="18" charset="0"/>
             </a:endParaRPr>
           </a:p>
           <a:p>
-            <a:pPr marL="344170" indent="-283845">
+            <a:pPr marL="342900" marR="0" lvl="0" indent="-342900" algn="just">
               <a:lnSpc>
-                <a:spcPct val="100000"/>
+                <a:spcPct val="150000"/>
               </a:lnSpc>
               <a:spcBef>
-                <a:spcPts val="35"/>
+                <a:spcPts val="0"/>
               </a:spcBef>
-              <a:buChar char="•"/>
-              <a:tabLst>
-                <a:tab pos="344170" algn="l"/>
-              </a:tabLst>
+              <a:spcAft>
+                <a:spcPts val="0"/>
+              </a:spcAft>
+              <a:buFont typeface="Symbol" panose="05050102010706020507" pitchFamily="18" charset="2"/>
+              <a:buChar char=""/>
             </a:pPr>
             <a:r>
-              <a:rPr sz="1950" dirty="0">
-                <a:latin typeface="Arial MT"/>
-                <a:cs typeface="Arial MT"/>
-              </a:rPr>
-              <a:t>Collecting</a:t>
-            </a:r>
-            <a:r>
-              <a:rPr sz="1950" spc="30" dirty="0">
-                <a:latin typeface="Arial MT"/>
-                <a:cs typeface="Arial MT"/>
-              </a:rPr>
-              <a:t> </a:t>
-            </a:r>
-            <a:r>
-              <a:rPr sz="1950" dirty="0">
-                <a:latin typeface="Arial MT"/>
-                <a:cs typeface="Arial MT"/>
-              </a:rPr>
-              <a:t>data</a:t>
-            </a:r>
-            <a:r>
-              <a:rPr sz="1950" spc="45" dirty="0">
-                <a:latin typeface="Arial MT"/>
-                <a:cs typeface="Arial MT"/>
-              </a:rPr>
-              <a:t> </a:t>
-            </a:r>
-            <a:r>
-              <a:rPr sz="1950" spc="-20" dirty="0">
-                <a:latin typeface="Arial MT"/>
-                <a:cs typeface="Arial MT"/>
-              </a:rPr>
-              <a:t>sets</a:t>
-            </a:r>
-            <a:endParaRPr sz="1950" dirty="0">
+              <a:rPr lang="en-GB" sz="2000" dirty="0">
+                <a:effectLst/>
+                <a:latin typeface="Arial MT"/>
+                <a:ea typeface="SimSun" panose="02010600030101010101" pitchFamily="2" charset="-122"/>
+                <a:cs typeface="Times New Roman" panose="02020603050405020304" pitchFamily="18" charset="0"/>
+              </a:rPr>
+              <a:t>To diagnose disease based on symptoms provided based on yes/no statement</a:t>
+            </a:r>
+            <a:endParaRPr lang="en-AU" sz="2000" dirty="0">
+              <a:effectLst/>
               <a:latin typeface="Arial MT"/>
-              <a:cs typeface="Arial MT"/>
+              <a:ea typeface="SimSun" panose="02010600030101010101" pitchFamily="2" charset="-122"/>
+              <a:cs typeface="Times New Roman" panose="02020603050405020304" pitchFamily="18" charset="0"/>
             </a:endParaRPr>
           </a:p>
           <a:p>
-            <a:pPr marL="344170" indent="-283845">
+            <a:pPr marL="342900" marR="0" lvl="0" indent="-342900" algn="just">
               <a:lnSpc>
-                <a:spcPct val="100000"/>
+                <a:spcPct val="150000"/>
               </a:lnSpc>
               <a:spcBef>
-                <a:spcPts val="40"/>
+                <a:spcPts val="0"/>
               </a:spcBef>
-              <a:buChar char="•"/>
-              <a:tabLst>
-                <a:tab pos="344170" algn="l"/>
-              </a:tabLst>
+              <a:spcAft>
+                <a:spcPts val="0"/>
+              </a:spcAft>
+              <a:buFont typeface="Symbol" panose="05050102010706020507" pitchFamily="18" charset="2"/>
+              <a:buChar char=""/>
             </a:pPr>
             <a:r>
-              <a:rPr sz="1950" spc="-55" dirty="0">
-                <a:latin typeface="Arial MT"/>
-                <a:cs typeface="Arial MT"/>
-              </a:rPr>
-              <a:t>To</a:t>
-            </a:r>
-            <a:r>
-              <a:rPr sz="1950" spc="15" dirty="0">
-                <a:latin typeface="Arial MT"/>
-                <a:cs typeface="Arial MT"/>
-              </a:rPr>
-              <a:t> </a:t>
-            </a:r>
-            <a:r>
-              <a:rPr sz="1950" dirty="0">
-                <a:latin typeface="Arial MT"/>
-                <a:cs typeface="Arial MT"/>
-              </a:rPr>
-              <a:t>integrate</a:t>
-            </a:r>
-            <a:r>
-              <a:rPr sz="1950" spc="25" dirty="0">
-                <a:latin typeface="Arial MT"/>
-                <a:cs typeface="Arial MT"/>
-              </a:rPr>
-              <a:t> </a:t>
-            </a:r>
-            <a:r>
-              <a:rPr sz="1950" dirty="0">
-                <a:latin typeface="Arial MT"/>
-                <a:cs typeface="Arial MT"/>
-              </a:rPr>
-              <a:t>chat</a:t>
-            </a:r>
-            <a:r>
-              <a:rPr sz="1950" spc="10" dirty="0">
-                <a:latin typeface="Arial MT"/>
-                <a:cs typeface="Arial MT"/>
-              </a:rPr>
-              <a:t> </a:t>
-            </a:r>
-            <a:r>
-              <a:rPr sz="1950" dirty="0">
-                <a:latin typeface="Arial MT"/>
-                <a:cs typeface="Arial MT"/>
-              </a:rPr>
-              <a:t>interface</a:t>
-            </a:r>
-            <a:r>
-              <a:rPr sz="1950" spc="20" dirty="0">
-                <a:latin typeface="Arial MT"/>
-                <a:cs typeface="Arial MT"/>
-              </a:rPr>
-              <a:t> </a:t>
-            </a:r>
-            <a:r>
-              <a:rPr sz="1950" dirty="0">
-                <a:latin typeface="Arial MT"/>
-                <a:cs typeface="Arial MT"/>
-              </a:rPr>
-              <a:t>with</a:t>
-            </a:r>
-            <a:r>
-              <a:rPr sz="1950" spc="10" dirty="0">
-                <a:latin typeface="Arial MT"/>
-                <a:cs typeface="Arial MT"/>
-              </a:rPr>
-              <a:t> </a:t>
-            </a:r>
-            <a:r>
-              <a:rPr sz="1950" dirty="0">
-                <a:latin typeface="Arial MT"/>
-                <a:cs typeface="Arial MT"/>
-              </a:rPr>
-              <a:t>web</a:t>
-            </a:r>
-            <a:r>
-              <a:rPr sz="1950" spc="15" dirty="0">
-                <a:latin typeface="Arial MT"/>
-                <a:cs typeface="Arial MT"/>
-              </a:rPr>
-              <a:t> </a:t>
-            </a:r>
-            <a:r>
-              <a:rPr sz="1950" spc="-10" dirty="0">
-                <a:latin typeface="Arial MT"/>
-                <a:cs typeface="Arial MT"/>
-              </a:rPr>
-              <a:t>application.</a:t>
-            </a:r>
-            <a:endParaRPr sz="1950" dirty="0">
+              <a:rPr lang="en-GB" sz="2000" dirty="0">
+                <a:effectLst/>
+                <a:latin typeface="Arial MT"/>
+                <a:ea typeface="SimSun" panose="02010600030101010101" pitchFamily="2" charset="-122"/>
+                <a:cs typeface="Times New Roman" panose="02020603050405020304" pitchFamily="18" charset="0"/>
+              </a:rPr>
+              <a:t>To provide way to maintain patient health record</a:t>
+            </a:r>
+            <a:endParaRPr lang="en-AU" sz="2000" dirty="0">
+              <a:effectLst/>
               <a:latin typeface="Arial MT"/>
-              <a:cs typeface="Arial MT"/>
-            </a:endParaRPr>
-          </a:p>
-          <a:p>
-            <a:pPr marL="344170" indent="-283845">
-              <a:lnSpc>
-                <a:spcPct val="100000"/>
-              </a:lnSpc>
-              <a:spcBef>
-                <a:spcPts val="45"/>
-              </a:spcBef>
-              <a:buChar char="•"/>
-              <a:tabLst>
-                <a:tab pos="344170" algn="l"/>
-              </a:tabLst>
-            </a:pPr>
-            <a:r>
-              <a:rPr sz="1950" spc="-55" dirty="0">
-                <a:latin typeface="Arial MT"/>
-                <a:cs typeface="Arial MT"/>
-              </a:rPr>
-              <a:t>To</a:t>
-            </a:r>
-            <a:r>
-              <a:rPr sz="1950" spc="-5" dirty="0">
-                <a:latin typeface="Arial MT"/>
-                <a:cs typeface="Arial MT"/>
-              </a:rPr>
-              <a:t> </a:t>
-            </a:r>
-            <a:r>
-              <a:rPr sz="1950" dirty="0">
-                <a:latin typeface="Arial MT"/>
-                <a:cs typeface="Arial MT"/>
-              </a:rPr>
-              <a:t>provide</a:t>
-            </a:r>
-            <a:r>
-              <a:rPr sz="1950" spc="-5" dirty="0">
-                <a:latin typeface="Arial MT"/>
-                <a:cs typeface="Arial MT"/>
-              </a:rPr>
-              <a:t> </a:t>
-            </a:r>
-            <a:r>
-              <a:rPr sz="1950" dirty="0">
-                <a:latin typeface="Arial MT"/>
-                <a:cs typeface="Arial MT"/>
-              </a:rPr>
-              <a:t>health</a:t>
-            </a:r>
-            <a:r>
-              <a:rPr sz="1950" spc="10" dirty="0">
-                <a:latin typeface="Arial MT"/>
-                <a:cs typeface="Arial MT"/>
-              </a:rPr>
-              <a:t> </a:t>
-            </a:r>
-            <a:r>
-              <a:rPr sz="1950" spc="-10" dirty="0">
-                <a:latin typeface="Arial MT"/>
-                <a:cs typeface="Arial MT"/>
-              </a:rPr>
-              <a:t>queries</a:t>
-            </a:r>
-            <a:endParaRPr sz="1950" dirty="0">
-              <a:latin typeface="Arial MT"/>
-              <a:cs typeface="Arial MT"/>
-            </a:endParaRPr>
-          </a:p>
-          <a:p>
-            <a:pPr marL="344170" indent="-283845">
-              <a:lnSpc>
-                <a:spcPct val="100000"/>
-              </a:lnSpc>
-              <a:spcBef>
-                <a:spcPts val="40"/>
-              </a:spcBef>
-              <a:buChar char="•"/>
-              <a:tabLst>
-                <a:tab pos="344170" algn="l"/>
-              </a:tabLst>
-            </a:pPr>
-            <a:r>
-              <a:rPr sz="1950" spc="-55" dirty="0">
-                <a:latin typeface="Arial MT"/>
-                <a:cs typeface="Arial MT"/>
-              </a:rPr>
-              <a:t>To</a:t>
-            </a:r>
-            <a:r>
-              <a:rPr sz="1950" spc="15" dirty="0">
-                <a:latin typeface="Arial MT"/>
-                <a:cs typeface="Arial MT"/>
-              </a:rPr>
-              <a:t> </a:t>
-            </a:r>
-            <a:r>
-              <a:rPr sz="1950" dirty="0">
-                <a:latin typeface="Arial MT"/>
-                <a:cs typeface="Arial MT"/>
-              </a:rPr>
-              <a:t>provide</a:t>
-            </a:r>
-            <a:r>
-              <a:rPr sz="1950" spc="15" dirty="0">
-                <a:latin typeface="Arial MT"/>
-                <a:cs typeface="Arial MT"/>
-              </a:rPr>
-              <a:t> </a:t>
-            </a:r>
-            <a:r>
-              <a:rPr sz="1950" dirty="0">
-                <a:latin typeface="Arial MT"/>
-                <a:cs typeface="Arial MT"/>
-              </a:rPr>
-              <a:t>easy</a:t>
-            </a:r>
-            <a:r>
-              <a:rPr sz="1950" spc="15" dirty="0">
-                <a:latin typeface="Arial MT"/>
-                <a:cs typeface="Arial MT"/>
-              </a:rPr>
-              <a:t> </a:t>
-            </a:r>
-            <a:r>
-              <a:rPr sz="1950" dirty="0">
-                <a:latin typeface="Arial MT"/>
-                <a:cs typeface="Arial MT"/>
-              </a:rPr>
-              <a:t>way</a:t>
-            </a:r>
-            <a:r>
-              <a:rPr sz="1950" spc="15" dirty="0">
-                <a:latin typeface="Arial MT"/>
-                <a:cs typeface="Arial MT"/>
-              </a:rPr>
-              <a:t> </a:t>
-            </a:r>
-            <a:r>
-              <a:rPr sz="1950" dirty="0">
-                <a:latin typeface="Arial MT"/>
-                <a:cs typeface="Arial MT"/>
-              </a:rPr>
-              <a:t>to</a:t>
-            </a:r>
-            <a:r>
-              <a:rPr sz="1950" spc="15" dirty="0">
-                <a:latin typeface="Arial MT"/>
-                <a:cs typeface="Arial MT"/>
-              </a:rPr>
-              <a:t> </a:t>
-            </a:r>
-            <a:r>
-              <a:rPr sz="1950" dirty="0">
-                <a:latin typeface="Arial MT"/>
-                <a:cs typeface="Arial MT"/>
-              </a:rPr>
-              <a:t>maintain</a:t>
-            </a:r>
-            <a:r>
-              <a:rPr sz="1950" spc="25" dirty="0">
-                <a:latin typeface="Arial MT"/>
-                <a:cs typeface="Arial MT"/>
-              </a:rPr>
-              <a:t> </a:t>
-            </a:r>
-            <a:r>
-              <a:rPr sz="1950" dirty="0">
-                <a:latin typeface="Arial MT"/>
-                <a:cs typeface="Arial MT"/>
-              </a:rPr>
-              <a:t>health</a:t>
-            </a:r>
-            <a:r>
-              <a:rPr sz="1950" spc="30" dirty="0">
-                <a:latin typeface="Arial MT"/>
-                <a:cs typeface="Arial MT"/>
-              </a:rPr>
-              <a:t> </a:t>
-            </a:r>
-            <a:r>
-              <a:rPr sz="1950" spc="-10" dirty="0">
-                <a:latin typeface="Arial MT"/>
-                <a:cs typeface="Arial MT"/>
-              </a:rPr>
-              <a:t>record.</a:t>
-            </a:r>
-            <a:endParaRPr sz="1950" dirty="0">
-              <a:latin typeface="Arial MT"/>
-              <a:cs typeface="Arial MT"/>
-            </a:endParaRPr>
-          </a:p>
-          <a:p>
-            <a:pPr marL="344170" marR="774700" indent="-283845">
-              <a:lnSpc>
-                <a:spcPts val="2380"/>
-              </a:lnSpc>
-              <a:spcBef>
-                <a:spcPts val="80"/>
-              </a:spcBef>
-              <a:buChar char="•"/>
-              <a:tabLst>
-                <a:tab pos="344170" algn="l"/>
-              </a:tabLst>
-            </a:pPr>
-            <a:r>
-              <a:rPr sz="1950" spc="-55" dirty="0">
-                <a:latin typeface="Arial MT"/>
-                <a:cs typeface="Arial MT"/>
-              </a:rPr>
-              <a:t>To</a:t>
-            </a:r>
-            <a:r>
-              <a:rPr sz="1950" spc="10" dirty="0">
-                <a:latin typeface="Arial MT"/>
-                <a:cs typeface="Arial MT"/>
-              </a:rPr>
-              <a:t> </a:t>
-            </a:r>
-            <a:r>
-              <a:rPr sz="1950" dirty="0">
-                <a:latin typeface="Arial MT"/>
-                <a:cs typeface="Arial MT"/>
-              </a:rPr>
-              <a:t>diagnose</a:t>
-            </a:r>
-            <a:r>
-              <a:rPr sz="1950" spc="20" dirty="0">
-                <a:latin typeface="Arial MT"/>
-                <a:cs typeface="Arial MT"/>
-              </a:rPr>
-              <a:t> </a:t>
-            </a:r>
-            <a:r>
-              <a:rPr sz="1950" dirty="0">
-                <a:latin typeface="Arial MT"/>
-                <a:cs typeface="Arial MT"/>
-              </a:rPr>
-              <a:t>disease</a:t>
-            </a:r>
-            <a:r>
-              <a:rPr sz="1950" spc="10" dirty="0">
-                <a:latin typeface="Arial MT"/>
-                <a:cs typeface="Arial MT"/>
-              </a:rPr>
-              <a:t> </a:t>
-            </a:r>
-            <a:r>
-              <a:rPr sz="1950" dirty="0">
-                <a:latin typeface="Arial MT"/>
-                <a:cs typeface="Arial MT"/>
-              </a:rPr>
-              <a:t>based</a:t>
-            </a:r>
-            <a:r>
-              <a:rPr sz="1950" spc="15" dirty="0">
-                <a:latin typeface="Arial MT"/>
-                <a:cs typeface="Arial MT"/>
-              </a:rPr>
-              <a:t> </a:t>
-            </a:r>
-            <a:r>
-              <a:rPr sz="1950" dirty="0">
-                <a:latin typeface="Arial MT"/>
-                <a:cs typeface="Arial MT"/>
-              </a:rPr>
-              <a:t>on</a:t>
-            </a:r>
-            <a:r>
-              <a:rPr sz="1950" spc="10" dirty="0">
-                <a:latin typeface="Arial MT"/>
-                <a:cs typeface="Arial MT"/>
-              </a:rPr>
-              <a:t> </a:t>
-            </a:r>
-            <a:r>
-              <a:rPr sz="1950" spc="-10" dirty="0">
-                <a:latin typeface="Arial MT"/>
-                <a:cs typeface="Arial MT"/>
-              </a:rPr>
-              <a:t>symptoms provided</a:t>
-            </a:r>
-            <a:endParaRPr sz="1950" dirty="0">
-              <a:latin typeface="Arial MT"/>
-              <a:cs typeface="Arial MT"/>
+              <a:ea typeface="SimSun" panose="02010600030101010101" pitchFamily="2" charset="-122"/>
+              <a:cs typeface="Times New Roman" panose="02020603050405020304" pitchFamily="18" charset="0"/>
             </a:endParaRPr>
           </a:p>
         </p:txBody>
@@ -3013,14 +1766,14 @@
               </a:spcBef>
             </a:pPr>
             <a:r>
-              <a:rPr lang="en-US" sz="2400" spc="-90" dirty="0" err="1" smtClean="0">
+              <a:rPr lang="en-US" sz="2400" spc="-90" dirty="0" err="1">
                 <a:latin typeface="Arial MT"/>
                 <a:cs typeface="Arial MT"/>
               </a:rPr>
               <a:t>Jitendra</a:t>
             </a:r>
             <a:r>
-              <a:rPr lang="en-US" sz="2400" spc="-90" dirty="0" smtClean="0">
+              <a:rPr lang="en-US" sz="2400" spc="-90" dirty="0">
                 <a:latin typeface="Arial MT"/>
                 <a:cs typeface="Arial MT"/>
               </a:rPr>
@@ -3037,7 +1790,7 @@
               </a:spcBef>
             </a:pPr>
             <a:r>
-              <a:rPr lang="en-US" sz="2400" spc="-90" dirty="0" smtClean="0">
+              <a:rPr lang="en-US" sz="2400" spc="-90" dirty="0">
                 <a:latin typeface="Arial MT"/>
                 <a:cs typeface="Arial MT"/>
               </a:rPr>
@@ -3118,21 +1871,21 @@
               <a:t> </a:t>
             </a:r>
             <a:r>
-              <a:rPr lang="en-US" sz="2400" dirty="0" err="1" smtClean="0">
+              <a:rPr lang="en-US" sz="2400" dirty="0" err="1">
                 <a:latin typeface="Arial MT"/>
                 <a:cs typeface="Arial MT"/>
               </a:rPr>
               <a:t>Fakhra</a:t>
             </a:r>
             <a:r>
-              <a:rPr lang="en-US" sz="2400" dirty="0" smtClean="0">
+              <a:rPr lang="en-US" sz="2400" dirty="0">
                 <a:latin typeface="Arial MT"/>
                 <a:cs typeface="Arial MT"/>
               </a:rPr>
               <a:t> </a:t>
             </a:r>
             <a:r>
-              <a:rPr lang="en-US" sz="2400" dirty="0" err="1" smtClean="0">
+              <a:rPr lang="en-US" sz="2400" dirty="0" err="1">
                 <a:latin typeface="Arial MT"/>
                 <a:cs typeface="Arial MT"/>
               </a:rPr>
@@ -3185,10 +1938,34 @@
                 <a:tableStyleId>{2D5ABB26-0587-4C30-8999-92F81FD0307C}</a:tableStyleId>
               </a:tblPr>
               <a:tblGrid>
-                <a:gridCol w="700405"/>
-                <a:gridCol w="2678430"/>
-                <a:gridCol w="2527300"/>
-                <a:gridCol w="1635760"/>
+                <a:gridCol w="700405">
+                  <a:extLst>
+                    <a:ext uri="{9D8B030D-6E8A-4147-A177-3AD203B41FA5}">
+                      <a16:colId xmlns:a16="http://schemas.microsoft.com/office/drawing/2014/main" val="20000"/>
+                    </a:ext>
+                  </a:extLst>
+                </a:gridCol>
+                <a:gridCol w="2678430">
+                  <a:extLst>
+                    <a:ext uri="{9D8B030D-6E8A-4147-A177-3AD203B41FA5}">
+                      <a16:colId xmlns:a16="http://schemas.microsoft.com/office/drawing/2014/main" val="20001"/>
+                    </a:ext>
+                  </a:extLst>
+                </a:gridCol>
+                <a:gridCol w="2527300">
+                  <a:extLst>
+                    <a:ext uri="{9D8B030D-6E8A-4147-A177-3AD203B41FA5}">
+                      <a16:colId xmlns:a16="http://schemas.microsoft.com/office/drawing/2014/main" val="20002"/>
+                    </a:ext>
+                  </a:extLst>
+                </a:gridCol>
+                <a:gridCol w="1635760">
+                  <a:extLst>
+                    <a:ext uri="{9D8B030D-6E8A-4147-A177-3AD203B41FA5}">
+                      <a16:colId xmlns:a16="http://schemas.microsoft.com/office/drawing/2014/main" val="20003"/>
+                    </a:ext>
+                  </a:extLst>
+                </a:gridCol>
               </a:tblGrid>
               <a:tr h="617220">
                 <a:tc>
@@ -3427,6 +2204,11 @@
                     </a:solidFill>
                   </a:tcPr>
                 </a:tc>
+                <a:extLst>
+                  <a:ext uri="{0D108BD9-81ED-4DB2-BD59-A6C34878D82A}">
+                    <a16:rowId xmlns:a16="http://schemas.microsoft.com/office/drawing/2014/main" val="10000"/>
+                  </a:ext>
+                </a:extLst>
               </a:tr>
               <a:tr h="1126490">
                 <a:tc>
@@ -3772,6 +2554,11 @@
                     </a:solidFill>
                   </a:tcPr>
                 </a:tc>
+                <a:extLst>
+                  <a:ext uri="{0D108BD9-81ED-4DB2-BD59-A6C34878D82A}">
+                    <a16:rowId xmlns:a16="http://schemas.microsoft.com/office/drawing/2014/main" val="10001"/>
+                  </a:ext>
+                </a:extLst>
               </a:tr>
               <a:tr h="1449070">
                 <a:tc>
@@ -4082,6 +2869,11 @@
                     </a:solidFill>
                   </a:tcPr>
                 </a:tc>
+                <a:extLst>
+                  <a:ext uri="{0D108BD9-81ED-4DB2-BD59-A6C34878D82A}">
+                    <a16:rowId xmlns:a16="http://schemas.microsoft.com/office/drawing/2014/main" val="10002"/>
+                  </a:ext>
+                </a:extLst>
               </a:tr>
               <a:tr h="1771014">
                 <a:tc>
@@ -4490,6 +3282,11 @@
                     </a:solidFill>
                   </a:tcPr>
                 </a:tc>
+                <a:extLst>
+                  <a:ext uri="{0D108BD9-81ED-4DB2-BD59-A6C34878D82A}">
+                    <a16:rowId xmlns:a16="http://schemas.microsoft.com/office/drawing/2014/main" val="10003"/>
+                  </a:ext>
+                </a:extLst>
               </a:tr>
               <a:tr h="1771014">
                 <a:tc>
@@ -4891,6 +3688,11 @@
                     </a:solidFill>
                   </a:tcPr>
                 </a:tc>
+                <a:extLst>
+                  <a:ext uri="{0D108BD9-81ED-4DB2-BD59-A6C34878D82A}">
+                    <a16:rowId xmlns:a16="http://schemas.microsoft.com/office/drawing/2014/main" val="10004"/>
+                  </a:ext>
+                </a:extLst>
               </a:tr>
             </a:tbl>
           </a:graphicData>
@@ -5054,7 +3856,7 @@
         </p:nvSpPr>
         <p:spPr>
           <a:xfrm>
-            <a:off x="562917" y="8963187"/>
+            <a:off x="647820" y="7936217"/>
             <a:ext cx="1183640" cy="377825"/>
           </a:xfrm>
           <a:prstGeom prst="rect">
@@ -5082,7 +3884,7 @@
               </a:rPr>
               <a:t>Features</a:t>
             </a:r>
-            <a:endParaRPr sz="2300">
+            <a:endParaRPr sz="2300" dirty="0">
               <a:latin typeface="Arial MT"/>
               <a:cs typeface="Arial MT"/>
             </a:endParaRPr>
@@ -5097,8 +3899,8 @@
         </p:nvSpPr>
         <p:spPr>
           <a:xfrm>
-            <a:off x="522184" y="9502541"/>
-            <a:ext cx="5744210" cy="1892935"/>
+            <a:off x="647820" y="8467205"/>
+            <a:ext cx="5744210" cy="2984215"/>
           </a:xfrm>
           <a:prstGeom prst="rect">
             <a:avLst/>
@@ -5113,311 +3915,109 @@
           </a:bodyPr>
           <a:lstStyle/>
           <a:p>
-            <a:pPr marL="343535" marR="844550" indent="-283845">
+            <a:pPr marL="177800" lvl="0" indent="-171450" algn="l" rtl="0">
               <a:lnSpc>
-                <a:spcPct val="101800"/>
+                <a:spcPct val="120000"/>
               </a:lnSpc>
               <a:spcBef>
-                <a:spcPts val="175"/>
+                <a:spcPts val="0"/>
               </a:spcBef>
+              <a:spcAft>
+                <a:spcPts val="0"/>
+              </a:spcAft>
+              <a:buSzPts val="1500"/>
               <a:buChar char="•"/>
-              <a:tabLst>
-                <a:tab pos="343535" algn="l"/>
-              </a:tabLst>
             </a:pPr>
             <a:r>
-              <a:rPr sz="1950" dirty="0">
-                <a:latin typeface="Arial MT"/>
-                <a:cs typeface="Arial MT"/>
-              </a:rPr>
-              <a:t>Can</a:t>
-            </a:r>
-            <a:r>
-              <a:rPr sz="1950" spc="30" dirty="0">
-                <a:latin typeface="Arial MT"/>
-                <a:cs typeface="Arial MT"/>
-              </a:rPr>
-              <a:t> </a:t>
-            </a:r>
-            <a:r>
-              <a:rPr sz="1950" dirty="0">
-                <a:latin typeface="Arial MT"/>
-                <a:cs typeface="Arial MT"/>
-              </a:rPr>
-              <a:t>predict</a:t>
-            </a:r>
-            <a:r>
-              <a:rPr sz="1950" spc="35" dirty="0">
-                <a:latin typeface="Arial MT"/>
-                <a:cs typeface="Arial MT"/>
-              </a:rPr>
-              <a:t> </a:t>
-            </a:r>
-            <a:r>
-              <a:rPr sz="1950" dirty="0">
-                <a:latin typeface="Arial MT"/>
-                <a:cs typeface="Arial MT"/>
-              </a:rPr>
-              <a:t>disease</a:t>
-            </a:r>
-            <a:r>
-              <a:rPr sz="1950" spc="30" dirty="0">
-                <a:latin typeface="Arial MT"/>
-                <a:cs typeface="Arial MT"/>
-              </a:rPr>
-              <a:t> </a:t>
-            </a:r>
-            <a:r>
-              <a:rPr sz="1950" dirty="0">
-                <a:latin typeface="Arial MT"/>
-                <a:cs typeface="Arial MT"/>
-              </a:rPr>
-              <a:t>based</a:t>
-            </a:r>
-            <a:r>
-              <a:rPr sz="1950" spc="35" dirty="0">
-                <a:latin typeface="Arial MT"/>
-                <a:cs typeface="Arial MT"/>
-              </a:rPr>
-              <a:t> </a:t>
-            </a:r>
-            <a:r>
-              <a:rPr sz="1950" dirty="0">
-                <a:latin typeface="Arial MT"/>
-                <a:cs typeface="Arial MT"/>
-              </a:rPr>
-              <a:t>on</a:t>
-            </a:r>
-            <a:r>
-              <a:rPr sz="1950" spc="30" dirty="0">
-                <a:latin typeface="Arial MT"/>
-                <a:cs typeface="Arial MT"/>
-              </a:rPr>
-              <a:t> </a:t>
-            </a:r>
-            <a:r>
-              <a:rPr sz="1950" spc="-10" dirty="0">
-                <a:latin typeface="Arial MT"/>
-                <a:cs typeface="Arial MT"/>
-              </a:rPr>
-              <a:t>symptoms provided</a:t>
-            </a:r>
-            <a:endParaRPr sz="1950">
-              <a:latin typeface="Arial MT"/>
-              <a:cs typeface="Arial MT"/>
-            </a:endParaRPr>
-          </a:p>
-          <a:p>
-            <a:pPr marL="343535" indent="-283210">
+              <a:rPr lang="en-US" sz="2000" dirty="0">
+                <a:latin typeface="Arial MT"/>
+              </a:rPr>
+              <a:t>Can predict disease based on symptoms provided</a:t>
+            </a:r>
+          </a:p>
+          <a:p>
+            <a:pPr marL="177800" lvl="0" indent="-171450" algn="l" rtl="0">
               <a:lnSpc>
-                <a:spcPct val="100000"/>
+                <a:spcPct val="120000"/>
               </a:lnSpc>
               <a:spcBef>
-                <a:spcPts val="35"/>
+                <a:spcPts val="800"/>
               </a:spcBef>
+              <a:spcAft>
+                <a:spcPts val="0"/>
+              </a:spcAft>
+              <a:buSzPts val="1500"/>
               <a:buChar char="•"/>
-              <a:tabLst>
-                <a:tab pos="343535" algn="l"/>
-              </a:tabLst>
             </a:pPr>
             <a:r>
-              <a:rPr sz="1950" dirty="0">
-                <a:latin typeface="Arial MT"/>
-                <a:cs typeface="Arial MT"/>
-              </a:rPr>
-              <a:t>User</a:t>
-            </a:r>
-            <a:r>
-              <a:rPr sz="1950" spc="30" dirty="0">
-                <a:latin typeface="Arial MT"/>
-                <a:cs typeface="Arial MT"/>
-              </a:rPr>
-              <a:t> </a:t>
-            </a:r>
-            <a:r>
-              <a:rPr sz="1950" dirty="0">
-                <a:latin typeface="Arial MT"/>
-                <a:cs typeface="Arial MT"/>
-              </a:rPr>
-              <a:t>can</a:t>
-            </a:r>
-            <a:r>
-              <a:rPr sz="1950" spc="30" dirty="0">
-                <a:latin typeface="Arial MT"/>
-                <a:cs typeface="Arial MT"/>
-              </a:rPr>
-              <a:t> </a:t>
-            </a:r>
-            <a:r>
-              <a:rPr sz="1950" dirty="0">
-                <a:latin typeface="Arial MT"/>
-                <a:cs typeface="Arial MT"/>
-              </a:rPr>
-              <a:t>book</a:t>
-            </a:r>
-            <a:r>
-              <a:rPr sz="1950" spc="35" dirty="0">
-                <a:latin typeface="Arial MT"/>
-                <a:cs typeface="Arial MT"/>
-              </a:rPr>
-              <a:t> </a:t>
-            </a:r>
-            <a:r>
-              <a:rPr sz="1950" spc="-10" dirty="0">
-                <a:latin typeface="Arial MT"/>
-                <a:cs typeface="Arial MT"/>
-              </a:rPr>
-              <a:t>appointment</a:t>
-            </a:r>
-            <a:endParaRPr sz="1950">
-              <a:latin typeface="Arial MT"/>
-              <a:cs typeface="Arial MT"/>
-            </a:endParaRPr>
-          </a:p>
-          <a:p>
-            <a:pPr marL="343535" indent="-283210">
+              <a:rPr lang="en-US" sz="2000" dirty="0">
+                <a:latin typeface="Arial MT"/>
+              </a:rPr>
+              <a:t>User can book appointment </a:t>
+            </a:r>
+          </a:p>
+          <a:p>
+            <a:pPr marL="177800" lvl="0" indent="-171450" algn="l" rtl="0">
               <a:lnSpc>
-                <a:spcPct val="100000"/>
+                <a:spcPct val="120000"/>
               </a:lnSpc>
               <a:spcBef>
-                <a:spcPts val="45"/>
+                <a:spcPts val="800"/>
               </a:spcBef>
+              <a:spcAft>
+                <a:spcPts val="0"/>
+              </a:spcAft>
+              <a:buSzPts val="1500"/>
               <a:buChar char="•"/>
-              <a:tabLst>
-                <a:tab pos="343535" algn="l"/>
-              </a:tabLst>
             </a:pPr>
             <a:r>
-              <a:rPr sz="1950" dirty="0">
-                <a:latin typeface="Arial MT"/>
-                <a:cs typeface="Arial MT"/>
-              </a:rPr>
-              <a:t>View</a:t>
-            </a:r>
-            <a:r>
-              <a:rPr sz="1950" spc="10" dirty="0">
-                <a:latin typeface="Arial MT"/>
-                <a:cs typeface="Arial MT"/>
-              </a:rPr>
-              <a:t> </a:t>
-            </a:r>
-            <a:r>
-              <a:rPr sz="1950" dirty="0">
-                <a:latin typeface="Arial MT"/>
-                <a:cs typeface="Arial MT"/>
-              </a:rPr>
-              <a:t>health</a:t>
-            </a:r>
-            <a:r>
-              <a:rPr sz="1950" spc="15" dirty="0">
-                <a:latin typeface="Arial MT"/>
-                <a:cs typeface="Arial MT"/>
-              </a:rPr>
-              <a:t> </a:t>
-            </a:r>
-            <a:r>
-              <a:rPr sz="1950" spc="-10" dirty="0">
-                <a:latin typeface="Arial MT"/>
-                <a:cs typeface="Arial MT"/>
-              </a:rPr>
-              <a:t>records</a:t>
-            </a:r>
-            <a:endParaRPr sz="1950">
-              <a:latin typeface="Arial MT"/>
-              <a:cs typeface="Arial MT"/>
-            </a:endParaRPr>
-          </a:p>
-          <a:p>
-            <a:pPr marL="343535" marR="607060" indent="-283845">
+              <a:rPr lang="en-US" sz="2000" dirty="0">
+                <a:latin typeface="Arial MT"/>
+              </a:rPr>
+              <a:t>User can view health records</a:t>
+            </a:r>
+          </a:p>
+          <a:p>
+            <a:pPr marL="177800" lvl="0" indent="-171450" algn="l" rtl="0">
               <a:lnSpc>
-                <a:spcPct val="101800"/>
+                <a:spcPct val="120000"/>
               </a:lnSpc>
+              <a:spcBef>
+                <a:spcPts val="800"/>
+              </a:spcBef>
+              <a:spcAft>
+                <a:spcPts val="0"/>
+              </a:spcAft>
+              <a:buSzPts val="1500"/>
               <a:buChar char="•"/>
-              <a:tabLst>
-                <a:tab pos="343535" algn="l"/>
-              </a:tabLst>
             </a:pPr>
             <a:r>
-              <a:rPr sz="1950" dirty="0">
-                <a:latin typeface="Arial MT"/>
-                <a:cs typeface="Arial MT"/>
-              </a:rPr>
-              <a:t>Doctors</a:t>
-            </a:r>
-            <a:r>
-              <a:rPr sz="1950" spc="35" dirty="0">
-                <a:latin typeface="Arial MT"/>
-                <a:cs typeface="Arial MT"/>
-              </a:rPr>
-              <a:t> </a:t>
-            </a:r>
-            <a:r>
-              <a:rPr sz="1950" dirty="0">
-                <a:latin typeface="Arial MT"/>
-                <a:cs typeface="Arial MT"/>
-              </a:rPr>
-              <a:t>can</a:t>
-            </a:r>
-            <a:r>
-              <a:rPr sz="1950" spc="45" dirty="0">
-                <a:latin typeface="Arial MT"/>
-                <a:cs typeface="Arial MT"/>
-              </a:rPr>
-              <a:t> </a:t>
-            </a:r>
-            <a:r>
-              <a:rPr sz="1950" dirty="0">
-                <a:latin typeface="Arial MT"/>
-                <a:cs typeface="Arial MT"/>
-              </a:rPr>
-              <a:t>provide</a:t>
-            </a:r>
-            <a:r>
-              <a:rPr sz="1950" spc="45" dirty="0">
-                <a:latin typeface="Arial MT"/>
-                <a:cs typeface="Arial MT"/>
-              </a:rPr>
-              <a:t> </a:t>
-            </a:r>
-            <a:r>
-              <a:rPr sz="1950" dirty="0">
-                <a:latin typeface="Arial MT"/>
-                <a:cs typeface="Arial MT"/>
-              </a:rPr>
-              <a:t>prescription</a:t>
-            </a:r>
-            <a:r>
-              <a:rPr sz="1950" spc="40" dirty="0">
-                <a:latin typeface="Arial MT"/>
-                <a:cs typeface="Arial MT"/>
-              </a:rPr>
-              <a:t> </a:t>
-            </a:r>
-            <a:r>
-              <a:rPr sz="1950" dirty="0">
-                <a:latin typeface="Arial MT"/>
-                <a:cs typeface="Arial MT"/>
-              </a:rPr>
-              <a:t>to</a:t>
-            </a:r>
-            <a:r>
-              <a:rPr sz="1950" spc="45" dirty="0">
-                <a:latin typeface="Arial MT"/>
-                <a:cs typeface="Arial MT"/>
-              </a:rPr>
-              <a:t> </a:t>
-            </a:r>
-            <a:r>
-              <a:rPr sz="1950" spc="-10" dirty="0">
-                <a:latin typeface="Arial MT"/>
-                <a:cs typeface="Arial MT"/>
-              </a:rPr>
-              <a:t>booked appointment</a:t>
-            </a:r>
-            <a:endParaRPr sz="1950">
-              <a:latin typeface="Arial MT"/>
-              <a:cs typeface="Arial MT"/>
-            </a:endParaRPr>
+              <a:rPr lang="en-US" sz="2000" dirty="0">
+                <a:latin typeface="Arial MT"/>
+              </a:rPr>
+              <a:t>Doctors can provide prescription to booked appointment</a:t>
+            </a:r>
+          </a:p>
+          <a:p>
+            <a:pPr marL="177800" lvl="0" indent="-171450" algn="l" rtl="0">
+              <a:lnSpc>
+                <a:spcPct val="120000"/>
+              </a:lnSpc>
+              <a:spcBef>
+                <a:spcPts val="800"/>
+              </a:spcBef>
+              <a:spcAft>
+                <a:spcPts val="0"/>
+              </a:spcAft>
+              <a:buSzPts val="1500"/>
+              <a:buChar char="•"/>
+            </a:pPr>
+            <a:r>
+              <a:rPr lang="en-US" sz="2000" dirty="0">
+                <a:latin typeface="Arial MT"/>
+              </a:rPr>
+              <a:t>Admin can manage doctors </a:t>
+            </a:r>
           </a:p>
         </p:txBody>
       </p:sp>
@@ -6393,7 +4993,7 @@
           <p:cNvPr id="29" name="Picture 28">
             <a:extLst>
               <a:ext uri="{FF2B5EF4-FFF2-40B4-BE49-F238E27FC236}">
-                <a16:creationId xmlns:a16="http://schemas.microsoft.com/office/drawing/2014/main" xmlns="" id="{82ED409D-5F78-B0C8-8C7B-74C59DFD2089}"/>
+                <a16:creationId xmlns:a16="http://schemas.microsoft.com/office/drawing/2014/main" id="{82ED409D-5F78-B0C8-8C7B-74C59DFD2089}"/>
               </a:ext>
             </a:extLst>
           </p:cNvPr>
